--- a/img/pin_map.pptx
+++ b/img/pin_map.pptx
@@ -273,7 +273,7 @@
           <a:p>
             <a:fld id="{6BAEC7DB-416E-4648-AE31-15D6F0A9A9FB}" type="datetimeFigureOut">
               <a:rPr lang="en-US" smtClean="0"/>
-              <a:t>8/27/2018</a:t>
+              <a:t>11/30/2018</a:t>
             </a:fld>
             <a:endParaRPr lang="en-US"/>
           </a:p>
@@ -473,7 +473,7 @@
           <a:p>
             <a:fld id="{6BAEC7DB-416E-4648-AE31-15D6F0A9A9FB}" type="datetimeFigureOut">
               <a:rPr lang="en-US" smtClean="0"/>
-              <a:t>8/27/2018</a:t>
+              <a:t>11/30/2018</a:t>
             </a:fld>
             <a:endParaRPr lang="en-US"/>
           </a:p>
@@ -683,7 +683,7 @@
           <a:p>
             <a:fld id="{6BAEC7DB-416E-4648-AE31-15D6F0A9A9FB}" type="datetimeFigureOut">
               <a:rPr lang="en-US" smtClean="0"/>
-              <a:t>8/27/2018</a:t>
+              <a:t>11/30/2018</a:t>
             </a:fld>
             <a:endParaRPr lang="en-US"/>
           </a:p>
@@ -883,7 +883,7 @@
           <a:p>
             <a:fld id="{6BAEC7DB-416E-4648-AE31-15D6F0A9A9FB}" type="datetimeFigureOut">
               <a:rPr lang="en-US" smtClean="0"/>
-              <a:t>8/27/2018</a:t>
+              <a:t>11/30/2018</a:t>
             </a:fld>
             <a:endParaRPr lang="en-US"/>
           </a:p>
@@ -1159,7 +1159,7 @@
           <a:p>
             <a:fld id="{6BAEC7DB-416E-4648-AE31-15D6F0A9A9FB}" type="datetimeFigureOut">
               <a:rPr lang="en-US" smtClean="0"/>
-              <a:t>8/27/2018</a:t>
+              <a:t>11/30/2018</a:t>
             </a:fld>
             <a:endParaRPr lang="en-US"/>
           </a:p>
@@ -1427,7 +1427,7 @@
           <a:p>
             <a:fld id="{6BAEC7DB-416E-4648-AE31-15D6F0A9A9FB}" type="datetimeFigureOut">
               <a:rPr lang="en-US" smtClean="0"/>
-              <a:t>8/27/2018</a:t>
+              <a:t>11/30/2018</a:t>
             </a:fld>
             <a:endParaRPr lang="en-US"/>
           </a:p>
@@ -1842,7 +1842,7 @@
           <a:p>
             <a:fld id="{6BAEC7DB-416E-4648-AE31-15D6F0A9A9FB}" type="datetimeFigureOut">
               <a:rPr lang="en-US" smtClean="0"/>
-              <a:t>8/27/2018</a:t>
+              <a:t>11/30/2018</a:t>
             </a:fld>
             <a:endParaRPr lang="en-US"/>
           </a:p>
@@ -1984,7 +1984,7 @@
           <a:p>
             <a:fld id="{6BAEC7DB-416E-4648-AE31-15D6F0A9A9FB}" type="datetimeFigureOut">
               <a:rPr lang="en-US" smtClean="0"/>
-              <a:t>8/27/2018</a:t>
+              <a:t>11/30/2018</a:t>
             </a:fld>
             <a:endParaRPr lang="en-US"/>
           </a:p>
@@ -2097,7 +2097,7 @@
           <a:p>
             <a:fld id="{6BAEC7DB-416E-4648-AE31-15D6F0A9A9FB}" type="datetimeFigureOut">
               <a:rPr lang="en-US" smtClean="0"/>
-              <a:t>8/27/2018</a:t>
+              <a:t>11/30/2018</a:t>
             </a:fld>
             <a:endParaRPr lang="en-US"/>
           </a:p>
@@ -2410,7 +2410,7 @@
           <a:p>
             <a:fld id="{6BAEC7DB-416E-4648-AE31-15D6F0A9A9FB}" type="datetimeFigureOut">
               <a:rPr lang="en-US" smtClean="0"/>
-              <a:t>8/27/2018</a:t>
+              <a:t>11/30/2018</a:t>
             </a:fld>
             <a:endParaRPr lang="en-US"/>
           </a:p>
@@ -2699,7 +2699,7 @@
           <a:p>
             <a:fld id="{6BAEC7DB-416E-4648-AE31-15D6F0A9A9FB}" type="datetimeFigureOut">
               <a:rPr lang="en-US" smtClean="0"/>
-              <a:t>8/27/2018</a:t>
+              <a:t>11/30/2018</a:t>
             </a:fld>
             <a:endParaRPr lang="en-US"/>
           </a:p>
@@ -2942,7 +2942,7 @@
           <a:p>
             <a:fld id="{6BAEC7DB-416E-4648-AE31-15D6F0A9A9FB}" type="datetimeFigureOut">
               <a:rPr lang="en-US" smtClean="0"/>
-              <a:t>8/27/2018</a:t>
+              <a:t>11/30/2018</a:t>
             </a:fld>
             <a:endParaRPr lang="en-US"/>
           </a:p>
@@ -3892,7 +3892,7 @@
                 <a:ea typeface="Microsoft JhengHei Light" panose="020B0304030504040204" pitchFamily="34" charset="-120"/>
                 <a:cs typeface="Leelawadee UI" panose="020B0502040204020203" pitchFamily="34" charset="-34"/>
               </a:rPr>
-              <a:t>VCC: you can use 5V or 3.3V for this module</a:t>
+              <a:t>VCC: you can use 5V for this module</a:t>
             </a:r>
           </a:p>
           <a:p>
